--- a/paper/talk/img/interval-hull.pptx
+++ b/paper/talk/img/interval-hull.pptx
@@ -243,7 +243,7 @@
           <a:p>
             <a:fld id="{54817664-4CF5-4D25-A32C-7355303CF77F}" type="datetimeFigureOut">
               <a:rPr lang="fr-FR" smtClean="0"/>
-              <a:t>14/10/2020</a:t>
+              <a:t>10/11/2020</a:t>
             </a:fld>
             <a:endParaRPr lang="fr-FR"/>
           </a:p>
@@ -413,7 +413,7 @@
           <a:p>
             <a:fld id="{54817664-4CF5-4D25-A32C-7355303CF77F}" type="datetimeFigureOut">
               <a:rPr lang="fr-FR" smtClean="0"/>
-              <a:t>14/10/2020</a:t>
+              <a:t>10/11/2020</a:t>
             </a:fld>
             <a:endParaRPr lang="fr-FR"/>
           </a:p>
@@ -593,7 +593,7 @@
           <a:p>
             <a:fld id="{54817664-4CF5-4D25-A32C-7355303CF77F}" type="datetimeFigureOut">
               <a:rPr lang="fr-FR" smtClean="0"/>
-              <a:t>14/10/2020</a:t>
+              <a:t>10/11/2020</a:t>
             </a:fld>
             <a:endParaRPr lang="fr-FR"/>
           </a:p>
@@ -763,7 +763,7 @@
           <a:p>
             <a:fld id="{54817664-4CF5-4D25-A32C-7355303CF77F}" type="datetimeFigureOut">
               <a:rPr lang="fr-FR" smtClean="0"/>
-              <a:t>14/10/2020</a:t>
+              <a:t>10/11/2020</a:t>
             </a:fld>
             <a:endParaRPr lang="fr-FR"/>
           </a:p>
@@ -1007,7 +1007,7 @@
           <a:p>
             <a:fld id="{54817664-4CF5-4D25-A32C-7355303CF77F}" type="datetimeFigureOut">
               <a:rPr lang="fr-FR" smtClean="0"/>
-              <a:t>14/10/2020</a:t>
+              <a:t>10/11/2020</a:t>
             </a:fld>
             <a:endParaRPr lang="fr-FR"/>
           </a:p>
@@ -1239,7 +1239,7 @@
           <a:p>
             <a:fld id="{54817664-4CF5-4D25-A32C-7355303CF77F}" type="datetimeFigureOut">
               <a:rPr lang="fr-FR" smtClean="0"/>
-              <a:t>14/10/2020</a:t>
+              <a:t>10/11/2020</a:t>
             </a:fld>
             <a:endParaRPr lang="fr-FR"/>
           </a:p>
@@ -1606,7 +1606,7 @@
           <a:p>
             <a:fld id="{54817664-4CF5-4D25-A32C-7355303CF77F}" type="datetimeFigureOut">
               <a:rPr lang="fr-FR" smtClean="0"/>
-              <a:t>14/10/2020</a:t>
+              <a:t>10/11/2020</a:t>
             </a:fld>
             <a:endParaRPr lang="fr-FR"/>
           </a:p>
@@ -1724,7 +1724,7 @@
           <a:p>
             <a:fld id="{54817664-4CF5-4D25-A32C-7355303CF77F}" type="datetimeFigureOut">
               <a:rPr lang="fr-FR" smtClean="0"/>
-              <a:t>14/10/2020</a:t>
+              <a:t>10/11/2020</a:t>
             </a:fld>
             <a:endParaRPr lang="fr-FR"/>
           </a:p>
@@ -1819,7 +1819,7 @@
           <a:p>
             <a:fld id="{54817664-4CF5-4D25-A32C-7355303CF77F}" type="datetimeFigureOut">
               <a:rPr lang="fr-FR" smtClean="0"/>
-              <a:t>14/10/2020</a:t>
+              <a:t>10/11/2020</a:t>
             </a:fld>
             <a:endParaRPr lang="fr-FR"/>
           </a:p>
@@ -2096,7 +2096,7 @@
           <a:p>
             <a:fld id="{54817664-4CF5-4D25-A32C-7355303CF77F}" type="datetimeFigureOut">
               <a:rPr lang="fr-FR" smtClean="0"/>
-              <a:t>14/10/2020</a:t>
+              <a:t>10/11/2020</a:t>
             </a:fld>
             <a:endParaRPr lang="fr-FR"/>
           </a:p>
@@ -2353,7 +2353,7 @@
           <a:p>
             <a:fld id="{54817664-4CF5-4D25-A32C-7355303CF77F}" type="datetimeFigureOut">
               <a:rPr lang="fr-FR" smtClean="0"/>
-              <a:t>14/10/2020</a:t>
+              <a:t>10/11/2020</a:t>
             </a:fld>
             <a:endParaRPr lang="fr-FR"/>
           </a:p>
@@ -2566,7 +2566,7 @@
           <a:p>
             <a:fld id="{54817664-4CF5-4D25-A32C-7355303CF77F}" type="datetimeFigureOut">
               <a:rPr lang="fr-FR" smtClean="0"/>
-              <a:t>14/10/2020</a:t>
+              <a:t>10/11/2020</a:t>
             </a:fld>
             <a:endParaRPr lang="fr-FR"/>
           </a:p>
@@ -2971,6 +2971,165 @@
           <a:chExt cx="0" cy="0"/>
         </a:xfrm>
       </p:grpSpPr>
+      <p:sp>
+        <p:nvSpPr>
+          <p:cNvPr id="2" name="Forme libre : forme 1">
+            <a:extLst>
+              <a:ext uri="{FF2B5EF4-FFF2-40B4-BE49-F238E27FC236}">
+                <a16:creationId xmlns:a16="http://schemas.microsoft.com/office/drawing/2014/main" id="{F6BC560C-AE7E-4E00-8686-0808C3E6A3C5}"/>
+              </a:ext>
+            </a:extLst>
+          </p:cNvPr>
+          <p:cNvSpPr/>
+          <p:nvPr/>
+        </p:nvSpPr>
+        <p:spPr>
+          <a:xfrm rot="16200000">
+            <a:off x="99514" y="4558534"/>
+            <a:ext cx="721849" cy="894181"/>
+          </a:xfrm>
+          <a:custGeom>
+            <a:avLst/>
+            <a:gdLst>
+              <a:gd name="connsiteX0" fmla="*/ 922670 w 2526656"/>
+              <a:gd name="connsiteY0" fmla="*/ 3152624 h 3152624"/>
+              <a:gd name="connsiteX1" fmla="*/ 601113 w 2526656"/>
+              <a:gd name="connsiteY1" fmla="*/ 3152624 h 3152624"/>
+              <a:gd name="connsiteX2" fmla="*/ 0 w 2526656"/>
+              <a:gd name="connsiteY2" fmla="*/ 2107407 h 3152624"/>
+              <a:gd name="connsiteX3" fmla="*/ 0 w 2526656"/>
+              <a:gd name="connsiteY3" fmla="*/ 1209412 h 3152624"/>
+              <a:gd name="connsiteX4" fmla="*/ 920126 w 2526656"/>
+              <a:gd name="connsiteY4" fmla="*/ 48377 h 3152624"/>
+              <a:gd name="connsiteX5" fmla="*/ 1126536 w 2526656"/>
+              <a:gd name="connsiteY5" fmla="*/ 0 h 3152624"/>
+              <a:gd name="connsiteX6" fmla="*/ 1756996 w 2526656"/>
+              <a:gd name="connsiteY6" fmla="*/ 0 h 3152624"/>
+              <a:gd name="connsiteX7" fmla="*/ 2526657 w 2526656"/>
+              <a:gd name="connsiteY7" fmla="*/ 451058 h 3152624"/>
+              <a:gd name="connsiteX8" fmla="*/ 2526657 w 2526656"/>
+              <a:gd name="connsiteY8" fmla="*/ 737131 h 3152624"/>
+              <a:gd name="connsiteX9" fmla="*/ 2460703 w 2526656"/>
+              <a:gd name="connsiteY9" fmla="*/ 893251 h 3152624"/>
+              <a:gd name="connsiteX10" fmla="*/ 1403005 w 2526656"/>
+              <a:gd name="connsiteY10" fmla="*/ 2609483 h 3152624"/>
+              <a:gd name="connsiteX11" fmla="*/ 922670 w 2526656"/>
+              <a:gd name="connsiteY11" fmla="*/ 3152624 h 3152624"/>
+            </a:gdLst>
+            <a:ahLst/>
+            <a:cxnLst>
+              <a:cxn ang="0">
+                <a:pos x="connsiteX0" y="connsiteY0"/>
+              </a:cxn>
+              <a:cxn ang="0">
+                <a:pos x="connsiteX1" y="connsiteY1"/>
+              </a:cxn>
+              <a:cxn ang="0">
+                <a:pos x="connsiteX2" y="connsiteY2"/>
+              </a:cxn>
+              <a:cxn ang="0">
+                <a:pos x="connsiteX3" y="connsiteY3"/>
+              </a:cxn>
+              <a:cxn ang="0">
+                <a:pos x="connsiteX4" y="connsiteY4"/>
+              </a:cxn>
+              <a:cxn ang="0">
+                <a:pos x="connsiteX5" y="connsiteY5"/>
+              </a:cxn>
+              <a:cxn ang="0">
+                <a:pos x="connsiteX6" y="connsiteY6"/>
+              </a:cxn>
+              <a:cxn ang="0">
+                <a:pos x="connsiteX7" y="connsiteY7"/>
+              </a:cxn>
+              <a:cxn ang="0">
+                <a:pos x="connsiteX8" y="connsiteY8"/>
+              </a:cxn>
+              <a:cxn ang="0">
+                <a:pos x="connsiteX9" y="connsiteY9"/>
+              </a:cxn>
+              <a:cxn ang="0">
+                <a:pos x="connsiteX10" y="connsiteY10"/>
+              </a:cxn>
+              <a:cxn ang="0">
+                <a:pos x="connsiteX11" y="connsiteY11"/>
+              </a:cxn>
+            </a:cxnLst>
+            <a:rect l="l" t="t" r="r" b="b"/>
+            <a:pathLst>
+              <a:path w="2526656" h="3152624">
+                <a:moveTo>
+                  <a:pt x="922670" y="3152624"/>
+                </a:moveTo>
+                <a:lnTo>
+                  <a:pt x="601113" y="3152624"/>
+                </a:lnTo>
+                <a:cubicBezTo>
+                  <a:pt x="329089" y="3070202"/>
+                  <a:pt x="75453" y="2763048"/>
+                  <a:pt x="0" y="2107407"/>
+                </a:cubicBezTo>
+                <a:lnTo>
+                  <a:pt x="0" y="1209412"/>
+                </a:lnTo>
+                <a:cubicBezTo>
+                  <a:pt x="78812" y="485364"/>
+                  <a:pt x="367121" y="227812"/>
+                  <a:pt x="920126" y="48377"/>
+                </a:cubicBezTo>
+                <a:cubicBezTo>
+                  <a:pt x="983060" y="27953"/>
+                  <a:pt x="1052610" y="11765"/>
+                  <a:pt x="1126536" y="0"/>
+                </a:cubicBezTo>
+                <a:lnTo>
+                  <a:pt x="1756996" y="0"/>
+                </a:lnTo>
+                <a:cubicBezTo>
+                  <a:pt x="2115703" y="53647"/>
+                  <a:pt x="2439907" y="200282"/>
+                  <a:pt x="2526657" y="451058"/>
+                </a:cubicBezTo>
+                <a:lnTo>
+                  <a:pt x="2526657" y="737131"/>
+                </a:lnTo>
+                <a:cubicBezTo>
+                  <a:pt x="2512204" y="786578"/>
+                  <a:pt x="2490424" y="838658"/>
+                  <a:pt x="2460703" y="893251"/>
+                </a:cubicBezTo>
+                <a:cubicBezTo>
+                  <a:pt x="1914213" y="1898088"/>
+                  <a:pt x="1613690" y="1400070"/>
+                  <a:pt x="1403005" y="2609483"/>
+                </a:cubicBezTo>
+                <a:cubicBezTo>
+                  <a:pt x="1357102" y="2873049"/>
+                  <a:pt x="1158020" y="3084136"/>
+                  <a:pt x="922670" y="3152624"/>
+                </a:cubicBezTo>
+              </a:path>
+            </a:pathLst>
+          </a:custGeom>
+          <a:solidFill>
+            <a:schemeClr val="bg1">
+              <a:lumMod val="85000"/>
+            </a:schemeClr>
+          </a:solidFill>
+          <a:ln w="4521" cap="flat">
+            <a:noFill/>
+            <a:prstDash val="solid"/>
+            <a:miter/>
+          </a:ln>
+        </p:spPr>
+        <p:txBody>
+          <a:bodyPr rtlCol="0" anchor="ctr"/>
+          <a:lstStyle/>
+          <a:p>
+            <a:endParaRPr lang="en-GB"/>
+          </a:p>
+        </p:txBody>
+      </p:sp>
       <mc:AlternateContent xmlns:mc="http://schemas.openxmlformats.org/markup-compatibility/2006">
         <mc:Choice xmlns:a14="http://schemas.microsoft.com/office/drawing/2010/main" Requires="a14">
           <p:sp>
@@ -2987,7 +3146,7 @@
             </p:nvSpPr>
             <p:spPr>
               <a:xfrm>
-                <a:off x="272960" y="4744216"/>
+                <a:off x="773782" y="4728370"/>
                 <a:ext cx="1493982" cy="656459"/>
               </a:xfrm>
               <a:prstGeom prst="rect">
@@ -3056,7 +3215,7 @@
             </p:nvSpPr>
             <p:spPr>
               <a:xfrm>
-                <a:off x="272960" y="4744216"/>
+                <a:off x="773782" y="4728370"/>
                 <a:ext cx="1493982" cy="656459"/>
               </a:xfrm>
               <a:prstGeom prst="rect">
@@ -3084,8 +3243,8 @@
           </p:sp>
         </mc:Fallback>
       </mc:AlternateContent>
-      <mc:AlternateContent xmlns:mc="http://schemas.openxmlformats.org/markup-compatibility/2006">
-        <mc:Choice xmlns:a14="http://schemas.microsoft.com/office/drawing/2010/main" Requires="a14">
+      <mc:AlternateContent xmlns:mc="http://schemas.openxmlformats.org/markup-compatibility/2006" xmlns:a14="http://schemas.microsoft.com/office/drawing/2010/main">
+        <mc:Choice Requires="a14">
           <p:sp>
             <p:nvSpPr>
               <p:cNvPr id="13" name="ZoneTexte 12">
@@ -3273,7 +3432,7 @@
             </p:txBody>
           </p:sp>
         </mc:Choice>
-        <mc:Fallback>
+        <mc:Fallback xmlns="">
           <p:sp>
             <p:nvSpPr>
               <p:cNvPr id="13" name="ZoneTexte 12">
@@ -3334,7 +3493,7 @@
             </p:nvSpPr>
             <p:spPr>
               <a:xfrm>
-                <a:off x="1058040" y="1855915"/>
+                <a:off x="977391" y="1635810"/>
                 <a:ext cx="2337113" cy="656459"/>
               </a:xfrm>
               <a:prstGeom prst="rect">
@@ -3395,16 +3554,16 @@
                             <m:t>|</m:t>
                           </m:r>
                           <m:r>
-                            <a:rPr lang="fr-FR" sz="3600" i="1" smtClean="0">
+                            <a:rPr lang="fr-FR" sz="3600" b="0" i="1" smtClean="0">
                               <a:solidFill>
                                 <a:srgbClr val="C00000"/>
                               </a:solidFill>
                               <a:latin typeface="Cambria Math" panose="02040503050406030204" pitchFamily="18" charset="0"/>
                             </a:rPr>
-                            <m:t>𝜃</m:t>
+                            <m:t>𝜔</m:t>
                           </m:r>
                           <m:r>
-                            <a:rPr lang="fr-FR" sz="3600" i="1">
+                            <a:rPr lang="fr-FR" sz="3600" b="0" i="1" smtClean="0">
                               <a:solidFill>
                                 <a:srgbClr val="C00000"/>
                               </a:solidFill>
@@ -3419,7 +3578,25 @@
                               </a:solidFill>
                               <a:latin typeface="Cambria Math" panose="02040503050406030204" pitchFamily="18" charset="0"/>
                             </a:rPr>
-                            <m:t>𝜔</m:t>
+                            <m:t>𝜂</m:t>
+                          </m:r>
+                          <m:r>
+                            <a:rPr lang="fr-FR" sz="3600" i="1">
+                              <a:solidFill>
+                                <a:schemeClr val="accent2"/>
+                              </a:solidFill>
+                              <a:latin typeface="Cambria Math" panose="02040503050406030204" pitchFamily="18" charset="0"/>
+                            </a:rPr>
+                            <m:t>,</m:t>
+                          </m:r>
+                          <m:r>
+                            <a:rPr lang="fr-FR" sz="3600" i="1">
+                              <a:solidFill>
+                                <a:schemeClr val="accent2"/>
+                              </a:solidFill>
+                              <a:latin typeface="Cambria Math" panose="02040503050406030204" pitchFamily="18" charset="0"/>
+                            </a:rPr>
+                            <m:t>𝜃</m:t>
                           </m:r>
                         </m:e>
                       </m:d>
@@ -3452,7 +3629,7 @@
             </p:nvSpPr>
             <p:spPr>
               <a:xfrm>
-                <a:off x="1058040" y="1855915"/>
+                <a:off x="977391" y="1635810"/>
                 <a:ext cx="2337113" cy="656459"/>
               </a:xfrm>
               <a:prstGeom prst="rect">
@@ -4593,8 +4770,8 @@
         </p:nvSpPr>
         <p:spPr>
           <a:xfrm>
-            <a:off x="63206" y="443264"/>
-            <a:ext cx="4785326" cy="4885163"/>
+            <a:off x="117094" y="443265"/>
+            <a:ext cx="4731437" cy="4553518"/>
           </a:xfrm>
           <a:custGeom>
             <a:avLst/>
@@ -4692,101 +4869,6 @@
       </p:sp>
       <p:sp>
         <p:nvSpPr>
-          <p:cNvPr id="9" name="Forme libre : forme 8">
-            <a:extLst>
-              <a:ext uri="{FF2B5EF4-FFF2-40B4-BE49-F238E27FC236}">
-                <a16:creationId xmlns:a16="http://schemas.microsoft.com/office/drawing/2014/main" id="{861476D5-87B9-4680-A81B-008F2F195D0C}"/>
-              </a:ext>
-            </a:extLst>
-          </p:cNvPr>
-          <p:cNvSpPr/>
-          <p:nvPr/>
-        </p:nvSpPr>
-        <p:spPr>
-          <a:xfrm>
-            <a:off x="576" y="5223889"/>
-            <a:ext cx="170079" cy="176928"/>
-          </a:xfrm>
-          <a:custGeom>
-            <a:avLst/>
-            <a:gdLst>
-              <a:gd name="connsiteX0" fmla="*/ 153612 w 170079"/>
-              <a:gd name="connsiteY0" fmla="*/ 140785 h 176928"/>
-              <a:gd name="connsiteX1" fmla="*/ 34729 w 170079"/>
-              <a:gd name="connsiteY1" fmla="*/ 159809 h 176928"/>
-              <a:gd name="connsiteX2" fmla="*/ 16475 w 170079"/>
-              <a:gd name="connsiteY2" fmla="*/ 36138 h 176928"/>
-              <a:gd name="connsiteX3" fmla="*/ 135341 w 170079"/>
-              <a:gd name="connsiteY3" fmla="*/ 17115 h 176928"/>
-              <a:gd name="connsiteX4" fmla="*/ 153612 w 170079"/>
-              <a:gd name="connsiteY4" fmla="*/ 140785 h 176928"/>
-            </a:gdLst>
-            <a:ahLst/>
-            <a:cxnLst>
-              <a:cxn ang="0">
-                <a:pos x="connsiteX0" y="connsiteY0"/>
-              </a:cxn>
-              <a:cxn ang="0">
-                <a:pos x="connsiteX1" y="connsiteY1"/>
-              </a:cxn>
-              <a:cxn ang="0">
-                <a:pos x="connsiteX2" y="connsiteY2"/>
-              </a:cxn>
-              <a:cxn ang="0">
-                <a:pos x="connsiteX3" y="connsiteY3"/>
-              </a:cxn>
-              <a:cxn ang="0">
-                <a:pos x="connsiteX4" y="connsiteY4"/>
-              </a:cxn>
-            </a:cxnLst>
-            <a:rect l="l" t="t" r="r" b="b"/>
-            <a:pathLst>
-              <a:path w="170079" h="176928">
-                <a:moveTo>
-                  <a:pt x="153612" y="140785"/>
-                </a:moveTo>
-                <a:cubicBezTo>
-                  <a:pt x="125819" y="180173"/>
-                  <a:pt x="72614" y="188680"/>
-                  <a:pt x="34729" y="159809"/>
-                </a:cubicBezTo>
-                <a:cubicBezTo>
-                  <a:pt x="-3121" y="130903"/>
-                  <a:pt x="-11302" y="75562"/>
-                  <a:pt x="16475" y="36138"/>
-                </a:cubicBezTo>
-                <a:cubicBezTo>
-                  <a:pt x="44236" y="-3286"/>
-                  <a:pt x="97456" y="-11721"/>
-                  <a:pt x="135341" y="17115"/>
-                </a:cubicBezTo>
-                <a:cubicBezTo>
-                  <a:pt x="173208" y="46020"/>
-                  <a:pt x="181373" y="101397"/>
-                  <a:pt x="153612" y="140785"/>
-                </a:cubicBezTo>
-              </a:path>
-            </a:pathLst>
-          </a:custGeom>
-          <a:solidFill>
-            <a:srgbClr val="231F20"/>
-          </a:solidFill>
-          <a:ln w="4521" cap="flat">
-            <a:noFill/>
-            <a:prstDash val="solid"/>
-            <a:miter/>
-          </a:ln>
-        </p:spPr>
-        <p:txBody>
-          <a:bodyPr rtlCol="0" anchor="ctr"/>
-          <a:lstStyle/>
-          <a:p>
-            <a:endParaRPr lang="en-GB"/>
-          </a:p>
-        </p:txBody>
-      </p:sp>
-      <p:sp>
-        <p:nvSpPr>
           <p:cNvPr id="10" name="Forme libre : forme 9">
             <a:extLst>
               <a:ext uri="{FF2B5EF4-FFF2-40B4-BE49-F238E27FC236}">
@@ -4894,8 +4976,8 @@
         </p:nvSpPr>
         <p:spPr>
           <a:xfrm>
-            <a:off x="64814" y="2584331"/>
-            <a:ext cx="4766246" cy="2745472"/>
+            <a:off x="502888" y="2584331"/>
+            <a:ext cx="4328171" cy="2604113"/>
           </a:xfrm>
           <a:custGeom>
             <a:avLst/>
@@ -5035,7 +5117,7 @@
         </p:nvSpPr>
         <p:spPr>
           <a:xfrm>
-            <a:off x="1365" y="5224500"/>
+            <a:off x="268385" y="4896202"/>
             <a:ext cx="170071" cy="176927"/>
           </a:xfrm>
           <a:custGeom>
@@ -5225,8 +5307,8 @@
         </p:nvSpPr>
         <p:spPr>
           <a:xfrm>
-            <a:off x="63206" y="573524"/>
-            <a:ext cx="5823246" cy="4754903"/>
+            <a:off x="317512" y="573524"/>
+            <a:ext cx="5568940" cy="4432101"/>
           </a:xfrm>
           <a:custGeom>
             <a:avLst/>
@@ -5356,7 +5438,7 @@
         </p:nvSpPr>
         <p:spPr>
           <a:xfrm>
-            <a:off x="0" y="5223461"/>
+            <a:off x="82998" y="4861030"/>
             <a:ext cx="170082" cy="176923"/>
           </a:xfrm>
           <a:custGeom>
@@ -5517,6 +5599,467 @@
           </a:custGeom>
           <a:solidFill>
             <a:srgbClr val="231F20"/>
+          </a:solidFill>
+          <a:ln w="4521" cap="flat">
+            <a:noFill/>
+            <a:prstDash val="solid"/>
+            <a:miter/>
+          </a:ln>
+        </p:spPr>
+        <p:txBody>
+          <a:bodyPr rtlCol="0" anchor="ctr"/>
+          <a:lstStyle/>
+          <a:p>
+            <a:endParaRPr lang="en-GB"/>
+          </a:p>
+        </p:txBody>
+      </p:sp>
+      <p:sp>
+        <p:nvSpPr>
+          <p:cNvPr id="11" name="Forme libre : forme 10">
+            <a:extLst>
+              <a:ext uri="{FF2B5EF4-FFF2-40B4-BE49-F238E27FC236}">
+                <a16:creationId xmlns:a16="http://schemas.microsoft.com/office/drawing/2014/main" id="{E88F52B9-AA6C-48FA-89C1-65A15C6ED15B}"/>
+              </a:ext>
+            </a:extLst>
+          </p:cNvPr>
+          <p:cNvSpPr/>
+          <p:nvPr/>
+        </p:nvSpPr>
+        <p:spPr>
+          <a:xfrm>
+            <a:off x="431683" y="5131149"/>
+            <a:ext cx="170071" cy="176927"/>
+          </a:xfrm>
+          <a:custGeom>
+            <a:avLst/>
+            <a:gdLst>
+              <a:gd name="connsiteX0" fmla="*/ 153017 w 170071"/>
+              <a:gd name="connsiteY0" fmla="*/ 141586 h 176927"/>
+              <a:gd name="connsiteX1" fmla="*/ 33939 w 170071"/>
+              <a:gd name="connsiteY1" fmla="*/ 159198 h 176927"/>
+              <a:gd name="connsiteX2" fmla="*/ 17047 w 170071"/>
+              <a:gd name="connsiteY2" fmla="*/ 35316 h 176927"/>
+              <a:gd name="connsiteX3" fmla="*/ 136126 w 170071"/>
+              <a:gd name="connsiteY3" fmla="*/ 17704 h 176927"/>
+              <a:gd name="connsiteX4" fmla="*/ 153017 w 170071"/>
+              <a:gd name="connsiteY4" fmla="*/ 141586 h 176927"/>
+            </a:gdLst>
+            <a:ahLst/>
+            <a:cxnLst>
+              <a:cxn ang="0">
+                <a:pos x="connsiteX0" y="connsiteY0"/>
+              </a:cxn>
+              <a:cxn ang="0">
+                <a:pos x="connsiteX1" y="connsiteY1"/>
+              </a:cxn>
+              <a:cxn ang="0">
+                <a:pos x="connsiteX2" y="connsiteY2"/>
+              </a:cxn>
+              <a:cxn ang="0">
+                <a:pos x="connsiteX3" y="connsiteY3"/>
+              </a:cxn>
+              <a:cxn ang="0">
+                <a:pos x="connsiteX4" y="connsiteY4"/>
+              </a:cxn>
+            </a:cxnLst>
+            <a:rect l="l" t="t" r="r" b="b"/>
+            <a:pathLst>
+              <a:path w="170071" h="176927">
+                <a:moveTo>
+                  <a:pt x="153017" y="141586"/>
+                </a:moveTo>
+                <a:cubicBezTo>
+                  <a:pt x="124818" y="180657"/>
+                  <a:pt x="71489" y="188528"/>
+                  <a:pt x="33939" y="159198"/>
+                </a:cubicBezTo>
+                <a:cubicBezTo>
+                  <a:pt x="-3574" y="129869"/>
+                  <a:pt x="-11155" y="74386"/>
+                  <a:pt x="17047" y="35316"/>
+                </a:cubicBezTo>
+                <a:cubicBezTo>
+                  <a:pt x="45249" y="-3720"/>
+                  <a:pt x="98576" y="-11590"/>
+                  <a:pt x="136126" y="17704"/>
+                </a:cubicBezTo>
+                <a:cubicBezTo>
+                  <a:pt x="173658" y="47104"/>
+                  <a:pt x="181222" y="102551"/>
+                  <a:pt x="153017" y="141586"/>
+                </a:cubicBezTo>
+              </a:path>
+            </a:pathLst>
+          </a:custGeom>
+          <a:solidFill>
+            <a:srgbClr val="231F20"/>
+          </a:solidFill>
+          <a:ln w="4521" cap="flat">
+            <a:noFill/>
+            <a:prstDash val="solid"/>
+            <a:miter/>
+          </a:ln>
+        </p:spPr>
+        <p:txBody>
+          <a:bodyPr rtlCol="0" anchor="ctr"/>
+          <a:lstStyle/>
+          <a:p>
+            <a:endParaRPr lang="en-GB"/>
+          </a:p>
+        </p:txBody>
+      </p:sp>
+      <p:sp>
+        <p:nvSpPr>
+          <p:cNvPr id="26" name="Forme libre : forme 25">
+            <a:extLst>
+              <a:ext uri="{FF2B5EF4-FFF2-40B4-BE49-F238E27FC236}">
+                <a16:creationId xmlns:a16="http://schemas.microsoft.com/office/drawing/2014/main" id="{4925C7C3-937B-4FAD-B5D9-EBD593C37BFC}"/>
+              </a:ext>
+            </a:extLst>
+          </p:cNvPr>
+          <p:cNvSpPr/>
+          <p:nvPr/>
+        </p:nvSpPr>
+        <p:spPr>
+          <a:xfrm rot="16200000">
+            <a:off x="87831" y="4549651"/>
+            <a:ext cx="737646" cy="915101"/>
+          </a:xfrm>
+          <a:custGeom>
+            <a:avLst/>
+            <a:gdLst>
+              <a:gd name="connsiteX0" fmla="*/ 965316 w 2617139"/>
+              <a:gd name="connsiteY0" fmla="*/ 95435 h 3246744"/>
+              <a:gd name="connsiteX1" fmla="*/ 972068 w 2617139"/>
+              <a:gd name="connsiteY1" fmla="*/ 117882 h 3246744"/>
+              <a:gd name="connsiteX2" fmla="*/ 1482190 w 2617139"/>
+              <a:gd name="connsiteY2" fmla="*/ 47059 h 3246744"/>
+              <a:gd name="connsiteX3" fmla="*/ 2227356 w 2617139"/>
+              <a:gd name="connsiteY3" fmla="*/ 193506 h 3246744"/>
+              <a:gd name="connsiteX4" fmla="*/ 2477871 w 2617139"/>
+              <a:gd name="connsiteY4" fmla="*/ 377975 h 3246744"/>
+              <a:gd name="connsiteX5" fmla="*/ 2571916 w 2617139"/>
+              <a:gd name="connsiteY5" fmla="*/ 635294 h 3246744"/>
+              <a:gd name="connsiteX6" fmla="*/ 2486217 w 2617139"/>
+              <a:gd name="connsiteY6" fmla="*/ 928729 h 3246744"/>
+              <a:gd name="connsiteX7" fmla="*/ 1836317 w 2617139"/>
+              <a:gd name="connsiteY7" fmla="*/ 1703876 h 3246744"/>
+              <a:gd name="connsiteX8" fmla="*/ 1605208 w 2617139"/>
+              <a:gd name="connsiteY8" fmla="*/ 2009008 h 3246744"/>
+              <a:gd name="connsiteX9" fmla="*/ 1425939 w 2617139"/>
+              <a:gd name="connsiteY9" fmla="*/ 2652353 h 3246744"/>
+              <a:gd name="connsiteX10" fmla="*/ 805352 w 2617139"/>
+              <a:gd name="connsiteY10" fmla="*/ 3199683 h 3246744"/>
+              <a:gd name="connsiteX11" fmla="*/ 290854 w 2617139"/>
+              <a:gd name="connsiteY11" fmla="*/ 2878860 h 3246744"/>
+              <a:gd name="connsiteX12" fmla="*/ 45224 w 2617139"/>
+              <a:gd name="connsiteY12" fmla="*/ 1732422 h 3246744"/>
+              <a:gd name="connsiteX13" fmla="*/ 45190 w 2617139"/>
+              <a:gd name="connsiteY13" fmla="*/ 1730643 h 3246744"/>
+              <a:gd name="connsiteX14" fmla="*/ 265510 w 2617139"/>
+              <a:gd name="connsiteY14" fmla="*/ 595200 h 3246744"/>
+              <a:gd name="connsiteX15" fmla="*/ 972068 w 2617139"/>
+              <a:gd name="connsiteY15" fmla="*/ 117882 h 3246744"/>
+              <a:gd name="connsiteX16" fmla="*/ 965316 w 2617139"/>
+              <a:gd name="connsiteY16" fmla="*/ 95435 h 3246744"/>
+              <a:gd name="connsiteX17" fmla="*/ 958565 w 2617139"/>
+              <a:gd name="connsiteY17" fmla="*/ 72941 h 3246744"/>
+              <a:gd name="connsiteX18" fmla="*/ 227614 w 2617139"/>
+              <a:gd name="connsiteY18" fmla="*/ 569506 h 3246744"/>
+              <a:gd name="connsiteX19" fmla="*/ 0 w 2617139"/>
+              <a:gd name="connsiteY19" fmla="*/ 1730643 h 3246744"/>
+              <a:gd name="connsiteX20" fmla="*/ 0 w 2617139"/>
+              <a:gd name="connsiteY20" fmla="*/ 1732443 h 3246744"/>
+              <a:gd name="connsiteX21" fmla="*/ 253059 w 2617139"/>
+              <a:gd name="connsiteY21" fmla="*/ 2904706 h 3246744"/>
+              <a:gd name="connsiteX22" fmla="*/ 805352 w 2617139"/>
+              <a:gd name="connsiteY22" fmla="*/ 3246744 h 3246744"/>
+              <a:gd name="connsiteX23" fmla="*/ 1470451 w 2617139"/>
+              <a:gd name="connsiteY23" fmla="*/ 2660735 h 3246744"/>
+              <a:gd name="connsiteX24" fmla="*/ 1645750 w 2617139"/>
+              <a:gd name="connsiteY24" fmla="*/ 2029923 h 3246744"/>
+              <a:gd name="connsiteX25" fmla="*/ 1805308 w 2617139"/>
+              <a:gd name="connsiteY25" fmla="*/ 1797483 h 3246744"/>
+              <a:gd name="connsiteX26" fmla="*/ 2525571 w 2617139"/>
+              <a:gd name="connsiteY26" fmla="*/ 951910 h 3246744"/>
+              <a:gd name="connsiteX27" fmla="*/ 2617140 w 2617139"/>
+              <a:gd name="connsiteY27" fmla="*/ 635294 h 3246744"/>
+              <a:gd name="connsiteX28" fmla="*/ 2512340 w 2617139"/>
+              <a:gd name="connsiteY28" fmla="*/ 347482 h 3246744"/>
+              <a:gd name="connsiteX29" fmla="*/ 2073091 w 2617139"/>
+              <a:gd name="connsiteY29" fmla="*/ 83953 h 3246744"/>
+              <a:gd name="connsiteX30" fmla="*/ 1482190 w 2617139"/>
+              <a:gd name="connsiteY30" fmla="*/ 0 h 3246744"/>
+              <a:gd name="connsiteX31" fmla="*/ 958565 w 2617139"/>
+              <a:gd name="connsiteY31" fmla="*/ 72941 h 3246744"/>
+              <a:gd name="connsiteX32" fmla="*/ 965316 w 2617139"/>
+              <a:gd name="connsiteY32" fmla="*/ 95435 h 3246744"/>
+            </a:gdLst>
+            <a:ahLst/>
+            <a:cxnLst>
+              <a:cxn ang="0">
+                <a:pos x="connsiteX0" y="connsiteY0"/>
+              </a:cxn>
+              <a:cxn ang="0">
+                <a:pos x="connsiteX1" y="connsiteY1"/>
+              </a:cxn>
+              <a:cxn ang="0">
+                <a:pos x="connsiteX2" y="connsiteY2"/>
+              </a:cxn>
+              <a:cxn ang="0">
+                <a:pos x="connsiteX3" y="connsiteY3"/>
+              </a:cxn>
+              <a:cxn ang="0">
+                <a:pos x="connsiteX4" y="connsiteY4"/>
+              </a:cxn>
+              <a:cxn ang="0">
+                <a:pos x="connsiteX5" y="connsiteY5"/>
+              </a:cxn>
+              <a:cxn ang="0">
+                <a:pos x="connsiteX6" y="connsiteY6"/>
+              </a:cxn>
+              <a:cxn ang="0">
+                <a:pos x="connsiteX7" y="connsiteY7"/>
+              </a:cxn>
+              <a:cxn ang="0">
+                <a:pos x="connsiteX8" y="connsiteY8"/>
+              </a:cxn>
+              <a:cxn ang="0">
+                <a:pos x="connsiteX9" y="connsiteY9"/>
+              </a:cxn>
+              <a:cxn ang="0">
+                <a:pos x="connsiteX10" y="connsiteY10"/>
+              </a:cxn>
+              <a:cxn ang="0">
+                <a:pos x="connsiteX11" y="connsiteY11"/>
+              </a:cxn>
+              <a:cxn ang="0">
+                <a:pos x="connsiteX12" y="connsiteY12"/>
+              </a:cxn>
+              <a:cxn ang="0">
+                <a:pos x="connsiteX13" y="connsiteY13"/>
+              </a:cxn>
+              <a:cxn ang="0">
+                <a:pos x="connsiteX14" y="connsiteY14"/>
+              </a:cxn>
+              <a:cxn ang="0">
+                <a:pos x="connsiteX15" y="connsiteY15"/>
+              </a:cxn>
+              <a:cxn ang="0">
+                <a:pos x="connsiteX16" y="connsiteY16"/>
+              </a:cxn>
+              <a:cxn ang="0">
+                <a:pos x="connsiteX17" y="connsiteY17"/>
+              </a:cxn>
+              <a:cxn ang="0">
+                <a:pos x="connsiteX18" y="connsiteY18"/>
+              </a:cxn>
+              <a:cxn ang="0">
+                <a:pos x="connsiteX19" y="connsiteY19"/>
+              </a:cxn>
+              <a:cxn ang="0">
+                <a:pos x="connsiteX20" y="connsiteY20"/>
+              </a:cxn>
+              <a:cxn ang="0">
+                <a:pos x="connsiteX21" y="connsiteY21"/>
+              </a:cxn>
+              <a:cxn ang="0">
+                <a:pos x="connsiteX22" y="connsiteY22"/>
+              </a:cxn>
+              <a:cxn ang="0">
+                <a:pos x="connsiteX23" y="connsiteY23"/>
+              </a:cxn>
+              <a:cxn ang="0">
+                <a:pos x="connsiteX24" y="connsiteY24"/>
+              </a:cxn>
+              <a:cxn ang="0">
+                <a:pos x="connsiteX25" y="connsiteY25"/>
+              </a:cxn>
+              <a:cxn ang="0">
+                <a:pos x="connsiteX26" y="connsiteY26"/>
+              </a:cxn>
+              <a:cxn ang="0">
+                <a:pos x="connsiteX27" y="connsiteY27"/>
+              </a:cxn>
+              <a:cxn ang="0">
+                <a:pos x="connsiteX28" y="connsiteY28"/>
+              </a:cxn>
+              <a:cxn ang="0">
+                <a:pos x="connsiteX29" y="connsiteY29"/>
+              </a:cxn>
+              <a:cxn ang="0">
+                <a:pos x="connsiteX30" y="connsiteY30"/>
+              </a:cxn>
+              <a:cxn ang="0">
+                <a:pos x="connsiteX31" y="connsiteY31"/>
+              </a:cxn>
+              <a:cxn ang="0">
+                <a:pos x="connsiteX32" y="connsiteY32"/>
+              </a:cxn>
+            </a:cxnLst>
+            <a:rect l="l" t="t" r="r" b="b"/>
+            <a:pathLst>
+              <a:path w="2617139" h="3246744">
+                <a:moveTo>
+                  <a:pt x="965316" y="95435"/>
+                </a:moveTo>
+                <a:lnTo>
+                  <a:pt x="972068" y="117882"/>
+                </a:lnTo>
+                <a:cubicBezTo>
+                  <a:pt x="1115137" y="71435"/>
+                  <a:pt x="1295220" y="47059"/>
+                  <a:pt x="1482190" y="47059"/>
+                </a:cubicBezTo>
+                <a:cubicBezTo>
+                  <a:pt x="1744036" y="46964"/>
+                  <a:pt x="2019725" y="94918"/>
+                  <a:pt x="2227356" y="193506"/>
+                </a:cubicBezTo>
+                <a:cubicBezTo>
+                  <a:pt x="2331206" y="242729"/>
+                  <a:pt x="2417888" y="304471"/>
+                  <a:pt x="2477871" y="377975"/>
+                </a:cubicBezTo>
+                <a:cubicBezTo>
+                  <a:pt x="2537887" y="451578"/>
+                  <a:pt x="2571780" y="536188"/>
+                  <a:pt x="2571916" y="635294"/>
+                </a:cubicBezTo>
+                <a:cubicBezTo>
+                  <a:pt x="2571916" y="721214"/>
+                  <a:pt x="2546030" y="818767"/>
+                  <a:pt x="2486217" y="928729"/>
+                </a:cubicBezTo>
+                <a:cubicBezTo>
+                  <a:pt x="2214057" y="1428272"/>
+                  <a:pt x="2008393" y="1549482"/>
+                  <a:pt x="1836317" y="1703876"/>
+                </a:cubicBezTo>
+                <a:cubicBezTo>
+                  <a:pt x="1750245" y="1780955"/>
+                  <a:pt x="1672858" y="1866914"/>
+                  <a:pt x="1605208" y="2009008"/>
+                </a:cubicBezTo>
+                <a:cubicBezTo>
+                  <a:pt x="1537456" y="2151102"/>
+                  <a:pt x="1478831" y="2348784"/>
+                  <a:pt x="1425939" y="2652353"/>
+                </a:cubicBezTo>
+                <a:cubicBezTo>
+                  <a:pt x="1372267" y="2963364"/>
+                  <a:pt x="1094645" y="3200163"/>
+                  <a:pt x="805352" y="3199683"/>
+                </a:cubicBezTo>
+                <a:cubicBezTo>
+                  <a:pt x="623369" y="3199373"/>
+                  <a:pt x="435958" y="3107939"/>
+                  <a:pt x="290854" y="2878860"/>
+                </a:cubicBezTo>
+                <a:cubicBezTo>
+                  <a:pt x="145987" y="2649741"/>
+                  <a:pt x="45326" y="2281468"/>
+                  <a:pt x="45224" y="1732422"/>
+                </a:cubicBezTo>
+                <a:lnTo>
+                  <a:pt x="45190" y="1730643"/>
+                </a:lnTo>
+                <a:cubicBezTo>
+                  <a:pt x="45123" y="1184559"/>
+                  <a:pt x="116063" y="833898"/>
+                  <a:pt x="265510" y="595200"/>
+                </a:cubicBezTo>
+                <a:cubicBezTo>
+                  <a:pt x="414754" y="356566"/>
+                  <a:pt x="643997" y="224471"/>
+                  <a:pt x="972068" y="117882"/>
+                </a:cubicBezTo>
+                <a:lnTo>
+                  <a:pt x="965316" y="95435"/>
+                </a:lnTo>
+                <a:lnTo>
+                  <a:pt x="958565" y="72941"/>
+                </a:lnTo>
+                <a:cubicBezTo>
+                  <a:pt x="626864" y="180470"/>
+                  <a:pt x="384763" y="318024"/>
+                  <a:pt x="227614" y="569506"/>
+                </a:cubicBezTo>
+                <a:cubicBezTo>
+                  <a:pt x="70635" y="820916"/>
+                  <a:pt x="68" y="1180828"/>
+                  <a:pt x="0" y="1730643"/>
+                </a:cubicBezTo>
+                <a:lnTo>
+                  <a:pt x="0" y="1732443"/>
+                </a:lnTo>
+                <a:cubicBezTo>
+                  <a:pt x="203" y="2287281"/>
+                  <a:pt x="101373" y="2664391"/>
+                  <a:pt x="253059" y="2904706"/>
+                </a:cubicBezTo>
+                <a:cubicBezTo>
+                  <a:pt x="404474" y="3145055"/>
+                  <a:pt x="608306" y="3247076"/>
+                  <a:pt x="805352" y="3246744"/>
+                </a:cubicBezTo>
+                <a:cubicBezTo>
+                  <a:pt x="1118088" y="3246286"/>
+                  <a:pt x="1411758" y="2995129"/>
+                  <a:pt x="1470451" y="2660735"/>
+                </a:cubicBezTo>
+                <a:cubicBezTo>
+                  <a:pt x="1522902" y="2359595"/>
+                  <a:pt x="1580849" y="2165989"/>
+                  <a:pt x="1645750" y="2029923"/>
+                </a:cubicBezTo>
+                <a:cubicBezTo>
+                  <a:pt x="1694503" y="1927810"/>
+                  <a:pt x="1746954" y="1857907"/>
+                  <a:pt x="1805308" y="1797483"/>
+                </a:cubicBezTo>
+                <a:cubicBezTo>
+                  <a:pt x="1979894" y="1616541"/>
+                  <a:pt x="2216974" y="1520386"/>
+                  <a:pt x="2525571" y="951910"/>
+                </a:cubicBezTo>
+                <a:cubicBezTo>
+                  <a:pt x="2588234" y="836728"/>
+                  <a:pt x="2617140" y="731178"/>
+                  <a:pt x="2617140" y="635294"/>
+                </a:cubicBezTo>
+                <a:cubicBezTo>
+                  <a:pt x="2617242" y="524658"/>
+                  <a:pt x="2578226" y="427906"/>
+                  <a:pt x="2512340" y="347482"/>
+                </a:cubicBezTo>
+                <a:cubicBezTo>
+                  <a:pt x="2413410" y="226729"/>
+                  <a:pt x="2255651" y="140753"/>
+                  <a:pt x="2073091" y="83953"/>
+                </a:cubicBezTo>
+                <a:cubicBezTo>
+                  <a:pt x="1890463" y="27247"/>
+                  <a:pt x="1682561" y="47"/>
+                  <a:pt x="1482190" y="0"/>
+                </a:cubicBezTo>
+                <a:cubicBezTo>
+                  <a:pt x="1291420" y="47"/>
+                  <a:pt x="1107571" y="24659"/>
+                  <a:pt x="958565" y="72941"/>
+                </a:cubicBezTo>
+                <a:lnTo>
+                  <a:pt x="965316" y="95435"/>
+                </a:lnTo>
+              </a:path>
+            </a:pathLst>
+          </a:custGeom>
+          <a:solidFill>
+            <a:schemeClr val="tx1">
+              <a:lumMod val="75000"/>
+              <a:lumOff val="25000"/>
+            </a:schemeClr>
           </a:solidFill>
           <a:ln w="4521" cap="flat">
             <a:noFill/>
